--- a/JavaScriptProject_game/게임만들기.pptx
+++ b/JavaScriptProject_game/게임만들기.pptx
@@ -29,6 +29,7 @@
     <p:sldId id="305" r:id="rId23"/>
     <p:sldId id="306" r:id="rId24"/>
     <p:sldId id="313" r:id="rId25"/>
+    <p:sldId id="314" r:id="rId26"/>
   </p:sldIdLst>
   <p:sldSz cx="12192000" cy="6858000"/>
   <p:notesSz cx="6858000" cy="9144000"/>
@@ -284,7 +285,7 @@
                 </a:solidFill>
               </a:rPr>
               <a:pPr/>
-              <a:t>2023-05-11</a:t>
+              <a:t>2023-07-31</a:t>
             </a:fld>
             <a:endParaRPr lang="ko-KR" altLang="en-US" dirty="0">
               <a:solidFill>
@@ -514,7 +515,7 @@
                 </a:solidFill>
               </a:rPr>
               <a:pPr/>
-              <a:t>2023-05-11</a:t>
+              <a:t>2023-07-31</a:t>
             </a:fld>
             <a:endParaRPr lang="ko-KR" altLang="en-US" dirty="0">
               <a:solidFill>
@@ -754,7 +755,7 @@
                 </a:solidFill>
               </a:rPr>
               <a:pPr/>
-              <a:t>2023-05-11</a:t>
+              <a:t>2023-07-31</a:t>
             </a:fld>
             <a:endParaRPr lang="ko-KR" altLang="en-US" dirty="0">
               <a:solidFill>
@@ -984,7 +985,7 @@
                 </a:solidFill>
               </a:rPr>
               <a:pPr/>
-              <a:t>2023-05-11</a:t>
+              <a:t>2023-07-31</a:t>
             </a:fld>
             <a:endParaRPr lang="ko-KR" altLang="en-US" dirty="0">
               <a:solidFill>
@@ -1291,7 +1292,7 @@
                 </a:solidFill>
               </a:rPr>
               <a:pPr/>
-              <a:t>2023-05-11</a:t>
+              <a:t>2023-07-31</a:t>
             </a:fld>
             <a:endParaRPr lang="ko-KR" altLang="en-US" dirty="0">
               <a:solidFill>
@@ -1588,7 +1589,7 @@
                 </a:solidFill>
               </a:rPr>
               <a:pPr/>
-              <a:t>2023-05-11</a:t>
+              <a:t>2023-07-31</a:t>
             </a:fld>
             <a:endParaRPr lang="ko-KR" altLang="en-US" dirty="0">
               <a:solidFill>
@@ -2032,7 +2033,7 @@
                 </a:solidFill>
               </a:rPr>
               <a:pPr/>
-              <a:t>2023-05-11</a:t>
+              <a:t>2023-07-31</a:t>
             </a:fld>
             <a:endParaRPr lang="ko-KR" altLang="en-US" dirty="0">
               <a:solidFill>
@@ -2205,7 +2206,7 @@
                 </a:solidFill>
               </a:rPr>
               <a:pPr/>
-              <a:t>2023-05-11</a:t>
+              <a:t>2023-07-31</a:t>
             </a:fld>
             <a:endParaRPr lang="ko-KR" altLang="en-US" dirty="0">
               <a:solidFill>
@@ -2350,7 +2351,7 @@
                 </a:solidFill>
               </a:rPr>
               <a:pPr/>
-              <a:t>2023-05-11</a:t>
+              <a:t>2023-07-31</a:t>
             </a:fld>
             <a:endParaRPr lang="ko-KR" altLang="en-US" dirty="0">
               <a:solidFill>
@@ -2693,7 +2694,7 @@
                 </a:solidFill>
               </a:rPr>
               <a:pPr/>
-              <a:t>2023-05-11</a:t>
+              <a:t>2023-07-31</a:t>
             </a:fld>
             <a:endParaRPr lang="ko-KR" altLang="en-US" dirty="0">
               <a:solidFill>
@@ -3013,7 +3014,7 @@
                 </a:solidFill>
               </a:rPr>
               <a:pPr/>
-              <a:t>2023-05-11</a:t>
+              <a:t>2023-07-31</a:t>
             </a:fld>
             <a:endParaRPr lang="ko-KR" altLang="en-US" dirty="0">
               <a:solidFill>
@@ -3286,7 +3287,7 @@
                 </a:solidFill>
               </a:rPr>
               <a:pPr/>
-              <a:t>2023-05-11</a:t>
+              <a:t>2023-07-31</a:t>
             </a:fld>
             <a:endParaRPr lang="ko-KR" altLang="en-US" dirty="0">
               <a:solidFill>
@@ -3969,7 +3970,28 @@
                 <a:latin typeface="HY견고딕" pitchFamily="18" charset="-127"/>
                 <a:ea typeface="HY견고딕" pitchFamily="18" charset="-127"/>
               </a:rPr>
-              <a:t>: </a:t>
+              <a:t>:</a:t>
+            </a:r>
+            <a:r>
+              <a:rPr lang="ko-KR" altLang="en-US" sz="2400" dirty="0" smtClean="0">
+                <a:latin typeface="HY견고딕" pitchFamily="18" charset="-127"/>
+                <a:ea typeface="HY견고딕" pitchFamily="18" charset="-127"/>
+              </a:rPr>
+              <a:t> </a:t>
+            </a:r>
+            <a:r>
+              <a:rPr lang="ko-KR" altLang="en-US" sz="2400" dirty="0" err="1" smtClean="0">
+                <a:latin typeface="HY견고딕" pitchFamily="18" charset="-127"/>
+                <a:ea typeface="HY견고딕" pitchFamily="18" charset="-127"/>
+              </a:rPr>
+              <a:t>송재완</a:t>
+            </a:r>
+            <a:r>
+              <a:rPr lang="en-US" altLang="ko-KR" sz="2400" dirty="0" smtClean="0">
+                <a:latin typeface="HY견고딕" pitchFamily="18" charset="-127"/>
+                <a:ea typeface="HY견고딕" pitchFamily="18" charset="-127"/>
+              </a:rPr>
+              <a:t>, </a:t>
             </a:r>
             <a:r>
               <a:rPr lang="ko-KR" altLang="en-US" sz="2400" dirty="0" smtClean="0">
@@ -3986,21 +4008,7 @@
               <a:t>, </a:t>
             </a:r>
             <a:r>
-              <a:rPr lang="ko-KR" altLang="en-US" sz="2400" dirty="0" smtClean="0">
-                <a:latin typeface="HY견고딕" pitchFamily="18" charset="-127"/>
-                <a:ea typeface="HY견고딕" pitchFamily="18" charset="-127"/>
-              </a:rPr>
-              <a:t>송재완</a:t>
-            </a:r>
-            <a:r>
-              <a:rPr lang="en-US" altLang="ko-KR" sz="2400" dirty="0" smtClean="0">
-                <a:latin typeface="HY견고딕" pitchFamily="18" charset="-127"/>
-                <a:ea typeface="HY견고딕" pitchFamily="18" charset="-127"/>
-              </a:rPr>
-              <a:t>, </a:t>
-            </a:r>
-            <a:r>
-              <a:rPr lang="ko-KR" altLang="en-US" sz="2400" dirty="0" smtClean="0">
+              <a:rPr lang="ko-KR" altLang="en-US" sz="2400" dirty="0" err="1" smtClean="0">
                 <a:latin typeface="HY견고딕" pitchFamily="18" charset="-127"/>
                 <a:ea typeface="HY견고딕" pitchFamily="18" charset="-127"/>
               </a:rPr>
@@ -5079,8 +5087,8 @@
         </p:nvSpPr>
         <p:spPr>
           <a:xfrm>
-            <a:off x="628389" y="1855939"/>
-            <a:ext cx="2756909" cy="584775"/>
+            <a:off x="465551" y="1855939"/>
+            <a:ext cx="3258393" cy="461665"/>
           </a:xfrm>
           <a:prstGeom prst="rect">
             <a:avLst/>
@@ -5094,48 +5102,21 @@
           <a:lstStyle/>
           <a:p>
             <a:r>
-              <a:rPr lang="en-US" altLang="ko-KR" sz="3200" b="1" dirty="0" smtClean="0"/>
-              <a:t>COOKIE-RUN</a:t>
-            </a:r>
-            <a:endParaRPr lang="ko-KR" altLang="en-US" sz="3200" b="1" dirty="0"/>
-          </a:p>
-        </p:txBody>
-      </p:sp>
-      <p:cxnSp>
-        <p:nvCxnSpPr>
-          <p:cNvPr id="18" name="직선 연결선 17"/>
-          <p:cNvCxnSpPr/>
-          <p:nvPr/>
-        </p:nvCxnSpPr>
-        <p:spPr>
-          <a:xfrm>
-            <a:off x="701458" y="2392471"/>
-            <a:ext cx="2505205" cy="1588"/>
-          </a:xfrm>
-          <a:prstGeom prst="line">
-            <a:avLst/>
-          </a:prstGeom>
-          <a:ln w="19050">
-            <a:solidFill>
-              <a:schemeClr val="tx1"/>
-            </a:solidFill>
-          </a:ln>
-        </p:spPr>
-        <p:style>
-          <a:lnRef idx="1">
-            <a:schemeClr val="accent1"/>
-          </a:lnRef>
-          <a:fillRef idx="0">
-            <a:schemeClr val="accent1"/>
-          </a:fillRef>
-          <a:effectRef idx="0">
-            <a:schemeClr val="accent1"/>
-          </a:effectRef>
-          <a:fontRef idx="minor">
-            <a:schemeClr val="tx1"/>
-          </a:fontRef>
-        </p:style>
-      </p:cxnSp>
+              <a:rPr lang="en-US" altLang="ko-KR" sz="2400" b="1" dirty="0" smtClean="0"/>
+              <a:t>COOKIE-RUN(</a:t>
+            </a:r>
+            <a:r>
+              <a:rPr lang="ko-KR" altLang="en-US" sz="2400" b="1" dirty="0" err="1" smtClean="0"/>
+              <a:t>송재완</a:t>
+            </a:r>
+            <a:r>
+              <a:rPr lang="en-US" altLang="ko-KR" sz="2400" b="1" dirty="0" smtClean="0"/>
+              <a:t>)</a:t>
+            </a:r>
+            <a:endParaRPr lang="ko-KR" altLang="en-US" sz="2400" b="1" dirty="0"/>
+          </a:p>
+        </p:txBody>
+      </p:sp>
       <p:pic>
         <p:nvPicPr>
           <p:cNvPr id="3076" name="Picture 4"/>
@@ -5770,8 +5751,8 @@
         </p:nvSpPr>
         <p:spPr>
           <a:xfrm>
-            <a:off x="816279" y="1855939"/>
-            <a:ext cx="2114874" cy="584775"/>
+            <a:off x="390395" y="1855939"/>
+            <a:ext cx="3640933" cy="584775"/>
           </a:xfrm>
           <a:prstGeom prst="rect">
             <a:avLst/>
@@ -5786,47 +5767,20 @@
           <a:p>
             <a:r>
               <a:rPr lang="en-US" altLang="ko-KR" sz="3200" b="1" dirty="0" smtClean="0"/>
-              <a:t>AIMHERO</a:t>
+              <a:t>AIMHERO(</a:t>
+            </a:r>
+            <a:r>
+              <a:rPr lang="ko-KR" altLang="en-US" sz="3200" b="1" dirty="0" err="1" smtClean="0"/>
+              <a:t>송재완</a:t>
+            </a:r>
+            <a:r>
+              <a:rPr lang="en-US" altLang="ko-KR" sz="3200" b="1" dirty="0" smtClean="0"/>
+              <a:t>)</a:t>
             </a:r>
             <a:endParaRPr lang="ko-KR" altLang="en-US" sz="3200" b="1" dirty="0"/>
           </a:p>
         </p:txBody>
       </p:sp>
-      <p:cxnSp>
-        <p:nvCxnSpPr>
-          <p:cNvPr id="22" name="직선 연결선 21"/>
-          <p:cNvCxnSpPr/>
-          <p:nvPr/>
-        </p:nvCxnSpPr>
-        <p:spPr>
-          <a:xfrm>
-            <a:off x="889348" y="2392471"/>
-            <a:ext cx="1929008" cy="1588"/>
-          </a:xfrm>
-          <a:prstGeom prst="line">
-            <a:avLst/>
-          </a:prstGeom>
-          <a:ln w="19050">
-            <a:solidFill>
-              <a:schemeClr val="tx1"/>
-            </a:solidFill>
-          </a:ln>
-        </p:spPr>
-        <p:style>
-          <a:lnRef idx="1">
-            <a:schemeClr val="accent1"/>
-          </a:lnRef>
-          <a:fillRef idx="0">
-            <a:schemeClr val="accent1"/>
-          </a:fillRef>
-          <a:effectRef idx="0">
-            <a:schemeClr val="accent1"/>
-          </a:effectRef>
-          <a:fontRef idx="minor">
-            <a:schemeClr val="tx1"/>
-          </a:fontRef>
-        </p:style>
-      </p:cxnSp>
       <p:pic>
         <p:nvPicPr>
           <p:cNvPr id="4098" name="Picture 2"/>
@@ -6357,8 +6311,8 @@
         </p:nvSpPr>
         <p:spPr>
           <a:xfrm>
-            <a:off x="3732757" y="651353"/>
-            <a:ext cx="1680653" cy="646331"/>
+            <a:off x="3331924" y="663879"/>
+            <a:ext cx="3039615" cy="584775"/>
           </a:xfrm>
           <a:prstGeom prst="rect">
             <a:avLst/>
@@ -6372,10 +6326,18 @@
           <a:lstStyle/>
           <a:p>
             <a:r>
-              <a:rPr lang="en-US" altLang="ko-KR" sz="3600" b="1" dirty="0" smtClean="0"/>
-              <a:t>TETRIS</a:t>
-            </a:r>
-            <a:endParaRPr lang="ko-KR" altLang="en-US" sz="3600" b="1" dirty="0"/>
+              <a:rPr lang="en-US" altLang="ko-KR" sz="3200" b="1" dirty="0" smtClean="0"/>
+              <a:t>TETRIS(</a:t>
+            </a:r>
+            <a:r>
+              <a:rPr lang="ko-KR" altLang="en-US" sz="3200" b="1" dirty="0" err="1" smtClean="0"/>
+              <a:t>송재완</a:t>
+            </a:r>
+            <a:r>
+              <a:rPr lang="en-US" altLang="ko-KR" sz="3200" b="1" dirty="0" smtClean="0"/>
+              <a:t>)</a:t>
+            </a:r>
+            <a:endParaRPr lang="ko-KR" altLang="en-US" sz="3200" b="1" dirty="0"/>
           </a:p>
         </p:txBody>
       </p:sp>
@@ -10248,7 +10210,7 @@
         <p:spPr>
           <a:xfrm>
             <a:off x="3246328" y="628389"/>
-            <a:ext cx="2521268" cy="584775"/>
+            <a:ext cx="4047326" cy="584775"/>
           </a:xfrm>
           <a:prstGeom prst="rect">
             <a:avLst/>
@@ -10263,7 +10225,15 @@
           <a:p>
             <a:r>
               <a:rPr lang="en-US" altLang="ko-KR" sz="3200" b="1" dirty="0" smtClean="0"/>
-              <a:t>BREAK-OUT</a:t>
+              <a:t>BREAK-OUT(</a:t>
+            </a:r>
+            <a:r>
+              <a:rPr lang="ko-KR" altLang="en-US" sz="3200" b="1" dirty="0" err="1" smtClean="0"/>
+              <a:t>김지향</a:t>
+            </a:r>
+            <a:r>
+              <a:rPr lang="en-US" altLang="ko-KR" sz="3200" b="1" dirty="0" smtClean="0"/>
+              <a:t>)</a:t>
             </a:r>
             <a:endParaRPr lang="ko-KR" altLang="en-US" sz="3200" b="1" dirty="0"/>
           </a:p>
@@ -11540,7 +11510,7 @@
         <p:spPr>
           <a:xfrm>
             <a:off x="2407086" y="2294350"/>
-            <a:ext cx="9413154" cy="584775"/>
+            <a:ext cx="8539517" cy="1077218"/>
           </a:xfrm>
           <a:prstGeom prst="rect">
             <a:avLst/>
@@ -11559,19 +11529,22 @@
             </a:r>
             <a:r>
               <a:rPr lang="en-US" altLang="ko-KR" sz="3200" b="1" dirty="0" smtClean="0"/>
-              <a:t>: NODE.JS</a:t>
+              <a:t>: NODE.js</a:t>
             </a:r>
             <a:r>
               <a:rPr lang="ko-KR" altLang="en-US" sz="3200" b="1" dirty="0" smtClean="0"/>
-              <a:t>와</a:t>
-            </a:r>
+              <a:t>를 사용하여 </a:t>
+            </a:r>
+            <a:endParaRPr lang="en-US" altLang="ko-KR" sz="3200" b="1" dirty="0" smtClean="0"/>
+          </a:p>
+          <a:p>
             <a:r>
               <a:rPr lang="en-US" altLang="ko-KR" sz="3200" b="1" dirty="0" smtClean="0"/>
-              <a:t> </a:t>
+              <a:t>	</a:t>
             </a:r>
             <a:r>
               <a:rPr lang="ko-KR" altLang="en-US" sz="3200" b="1" dirty="0" smtClean="0"/>
-              <a:t>연동하여 멀티플레이 기능 추가</a:t>
+              <a:t>서버 구축을 통한 멀티 플레이 기능 추가</a:t>
             </a:r>
             <a:endParaRPr lang="ko-KR" altLang="en-US" sz="3200" b="1" dirty="0"/>
           </a:p>
@@ -11586,7 +11559,7 @@
         <p:spPr>
           <a:xfrm>
             <a:off x="2407086" y="3160734"/>
-            <a:ext cx="7415813" cy="2951834"/>
+            <a:ext cx="8791189" cy="3046988"/>
           </a:xfrm>
           <a:prstGeom prst="rect">
             <a:avLst/>
@@ -11617,8 +11590,12 @@
               </a:lnSpc>
             </a:pPr>
             <a:r>
+              <a:rPr lang="ko-KR" altLang="en-US" sz="3200" b="1" dirty="0" err="1" smtClean="0"/>
+              <a:t>송재완</a:t>
+            </a:r>
+            <a:r>
               <a:rPr lang="ko-KR" altLang="en-US" sz="3200" b="1" dirty="0" smtClean="0"/>
-              <a:t>지향 </a:t>
+              <a:t> </a:t>
             </a:r>
             <a:r>
               <a:rPr lang="en-US" altLang="ko-KR" sz="3200" b="1" dirty="0" smtClean="0"/>
@@ -11626,7 +11603,7 @@
             </a:r>
             <a:r>
               <a:rPr lang="ko-KR" altLang="en-US" sz="3200" b="1" dirty="0" smtClean="0"/>
-              <a:t>가상캐릭터 채팅게임 개발</a:t>
+              <a:t>철권 게임 개발</a:t>
             </a:r>
             <a:endParaRPr lang="en-US" altLang="ko-KR" sz="3200" b="1" dirty="0" smtClean="0"/>
           </a:p>
@@ -11637,8 +11614,12 @@
               </a:lnSpc>
             </a:pPr>
             <a:r>
+              <a:rPr lang="ko-KR" altLang="en-US" sz="3200" b="1" dirty="0" err="1" smtClean="0"/>
+              <a:t>김지향</a:t>
+            </a:r>
+            <a:r>
               <a:rPr lang="ko-KR" altLang="en-US" sz="3200" b="1" dirty="0" smtClean="0"/>
-              <a:t>재완 </a:t>
+              <a:t> </a:t>
             </a:r>
             <a:r>
               <a:rPr lang="en-US" altLang="ko-KR" sz="3200" b="1" dirty="0" smtClean="0"/>
@@ -11646,7 +11627,15 @@
             </a:r>
             <a:r>
               <a:rPr lang="ko-KR" altLang="en-US" sz="3200" b="1" dirty="0" smtClean="0"/>
-              <a:t>철권게임 개발</a:t>
+              <a:t>가상캐릭터 </a:t>
+            </a:r>
+            <a:r>
+              <a:rPr lang="ko-KR" altLang="en-US" sz="3200" b="1" dirty="0" err="1" smtClean="0"/>
+              <a:t>채팅게임</a:t>
+            </a:r>
+            <a:r>
+              <a:rPr lang="ko-KR" altLang="en-US" sz="3200" b="1" dirty="0" smtClean="0"/>
+              <a:t> 개발</a:t>
             </a:r>
             <a:endParaRPr lang="en-US" altLang="ko-KR" sz="3200" b="1" dirty="0" smtClean="0"/>
           </a:p>
@@ -11657,8 +11646,12 @@
               </a:lnSpc>
             </a:pPr>
             <a:r>
+              <a:rPr lang="ko-KR" altLang="en-US" sz="3200" b="1" dirty="0" err="1" smtClean="0"/>
+              <a:t>이예진</a:t>
+            </a:r>
+            <a:r>
               <a:rPr lang="ko-KR" altLang="en-US" sz="3200" b="1" dirty="0" smtClean="0"/>
-              <a:t>예진 </a:t>
+              <a:t> </a:t>
             </a:r>
             <a:r>
               <a:rPr lang="en-US" altLang="ko-KR" sz="3200" b="1" dirty="0" smtClean="0"/>
@@ -11670,7 +11663,15 @@
             </a:r>
             <a:r>
               <a:rPr lang="ko-KR" altLang="en-US" sz="3200" b="1" dirty="0" smtClean="0"/>
-              <a:t> 같은 스토리게임  </a:t>
+              <a:t> 같은 </a:t>
+            </a:r>
+            <a:r>
+              <a:rPr lang="ko-KR" altLang="en-US" sz="3200" b="1" dirty="0" err="1" smtClean="0"/>
+              <a:t>스토리게임</a:t>
+            </a:r>
+            <a:r>
+              <a:rPr lang="ko-KR" altLang="en-US" sz="3200" b="1" dirty="0" smtClean="0"/>
+              <a:t> 개발  </a:t>
             </a:r>
             <a:endParaRPr lang="ko-KR" altLang="en-US" sz="3200" b="1" dirty="0"/>
           </a:p>
@@ -11688,6 +11689,123 @@
       </p:par>
     </p:tnLst>
   </p:timing>
+</p:sld>
+</file>
+
+<file path=ppt/slides/slide25.xml><?xml version="1.0" encoding="utf-8"?>
+<p:sld xmlns:a="http://schemas.openxmlformats.org/drawingml/2006/main" xmlns:r="http://schemas.openxmlformats.org/officeDocument/2006/relationships" xmlns:p="http://schemas.openxmlformats.org/presentationml/2006/main">
+  <p:cSld>
+    <p:bg>
+      <p:bgPr>
+        <a:solidFill>
+          <a:srgbClr val="489BFB"/>
+        </a:solidFill>
+        <a:effectLst/>
+      </p:bgPr>
+    </p:bg>
+    <p:spTree>
+      <p:nvGrpSpPr>
+        <p:cNvPr id="1" name=""/>
+        <p:cNvGrpSpPr/>
+        <p:nvPr/>
+      </p:nvGrpSpPr>
+      <p:grpSpPr>
+        <a:xfrm>
+          <a:off x="0" y="0"/>
+          <a:ext cx="0" cy="0"/>
+          <a:chOff x="0" y="0"/>
+          <a:chExt cx="0" cy="0"/>
+        </a:xfrm>
+      </p:grpSpPr>
+      <p:sp>
+        <p:nvSpPr>
+          <p:cNvPr id="2" name="직사각형 1"/>
+          <p:cNvSpPr/>
+          <p:nvPr/>
+        </p:nvSpPr>
+        <p:spPr>
+          <a:xfrm>
+            <a:off x="0" y="0"/>
+            <a:ext cx="12192000" cy="6858000"/>
+          </a:xfrm>
+          <a:prstGeom prst="rect">
+            <a:avLst/>
+          </a:prstGeom>
+        </p:spPr>
+        <p:style>
+          <a:lnRef idx="2">
+            <a:schemeClr val="accent1">
+              <a:shade val="50000"/>
+            </a:schemeClr>
+          </a:lnRef>
+          <a:fillRef idx="1">
+            <a:schemeClr val="accent1"/>
+          </a:fillRef>
+          <a:effectRef idx="0">
+            <a:schemeClr val="accent1"/>
+          </a:effectRef>
+          <a:fontRef idx="minor">
+            <a:schemeClr val="lt1"/>
+          </a:fontRef>
+        </p:style>
+        <p:txBody>
+          <a:bodyPr rtlCol="0" anchor="ctr"/>
+          <a:lstStyle/>
+          <a:p>
+            <a:pPr algn="ctr"/>
+            <a:r>
+              <a:rPr lang="en-US" altLang="ko-KR" sz="13800" dirty="0" smtClean="0"/>
+              <a:t>Thanks</a:t>
+            </a:r>
+            <a:endParaRPr lang="ko-KR" altLang="en-US" dirty="0"/>
+          </a:p>
+        </p:txBody>
+      </p:sp>
+      <p:sp>
+        <p:nvSpPr>
+          <p:cNvPr id="3" name="TextBox 2">
+            <a:hlinkClick r:id="rId2"/>
+          </p:cNvPr>
+          <p:cNvSpPr txBox="1"/>
+          <p:nvPr/>
+        </p:nvSpPr>
+        <p:spPr>
+          <a:xfrm>
+            <a:off x="3795385" y="4609578"/>
+            <a:ext cx="5624187" cy="369332"/>
+          </a:xfrm>
+          <a:prstGeom prst="rect">
+            <a:avLst/>
+          </a:prstGeom>
+          <a:noFill/>
+        </p:spPr>
+        <p:txBody>
+          <a:bodyPr wrap="square" rtlCol="0">
+            <a:spAutoFit/>
+          </a:bodyPr>
+          <a:lstStyle/>
+          <a:p>
+            <a:r>
+              <a:rPr lang="ko-KR" altLang="en-US" b="1" dirty="0" smtClean="0">
+                <a:solidFill>
+                  <a:schemeClr val="bg1"/>
+                </a:solidFill>
+              </a:rPr>
+              <a:t>소스를 보고 싶으시다면 이 곳을 클릭하세요</a:t>
+            </a:r>
+            <a:endParaRPr lang="ko-KR" altLang="en-US" b="1" dirty="0">
+              <a:solidFill>
+                <a:schemeClr val="bg1"/>
+              </a:solidFill>
+            </a:endParaRPr>
+          </a:p>
+        </p:txBody>
+      </p:sp>
+    </p:spTree>
+  </p:cSld>
+  <p:clrMapOvr>
+    <a:masterClrMapping/>
+  </p:clrMapOvr>
 </p:sld>
 </file>
 
@@ -12535,7 +12653,7 @@
         <p:spPr>
           <a:xfrm>
             <a:off x="678493" y="1855939"/>
-            <a:ext cx="2521268" cy="584775"/>
+            <a:ext cx="3080843" cy="461665"/>
           </a:xfrm>
           <a:prstGeom prst="rect">
             <a:avLst/>
@@ -12549,48 +12667,21 @@
           <a:lstStyle/>
           <a:p>
             <a:r>
-              <a:rPr lang="en-US" altLang="ko-KR" sz="3200" b="1" dirty="0" smtClean="0"/>
-              <a:t>BREAK-OUT</a:t>
+              <a:rPr lang="en-US" altLang="ko-KR" sz="2400" b="1" dirty="0" smtClean="0"/>
+              <a:t>BREAK-OUT(</a:t>
+            </a:r>
+            <a:r>
+              <a:rPr lang="ko-KR" altLang="en-US" sz="2400" b="1" dirty="0" err="1" smtClean="0"/>
+              <a:t>김지향</a:t>
+            </a:r>
+            <a:r>
+              <a:rPr lang="en-US" altLang="ko-KR" sz="2400" b="1" dirty="0" smtClean="0"/>
+              <a:t>)</a:t>
             </a:r>
             <a:endParaRPr lang="ko-KR" altLang="en-US" sz="3200" b="1" dirty="0"/>
           </a:p>
         </p:txBody>
       </p:sp>
-      <p:cxnSp>
-        <p:nvCxnSpPr>
-          <p:cNvPr id="17" name="직선 연결선 16"/>
-          <p:cNvCxnSpPr/>
-          <p:nvPr/>
-        </p:nvCxnSpPr>
-        <p:spPr>
-          <a:xfrm>
-            <a:off x="751562" y="2392471"/>
-            <a:ext cx="2329841" cy="1588"/>
-          </a:xfrm>
-          <a:prstGeom prst="line">
-            <a:avLst/>
-          </a:prstGeom>
-          <a:ln w="19050">
-            <a:solidFill>
-              <a:schemeClr val="tx1"/>
-            </a:solidFill>
-          </a:ln>
-        </p:spPr>
-        <p:style>
-          <a:lnRef idx="1">
-            <a:schemeClr val="accent1"/>
-          </a:lnRef>
-          <a:fillRef idx="0">
-            <a:schemeClr val="accent1"/>
-          </a:fillRef>
-          <a:effectRef idx="0">
-            <a:schemeClr val="accent1"/>
-          </a:effectRef>
-          <a:fontRef idx="minor">
-            <a:schemeClr val="tx1"/>
-          </a:fontRef>
-        </p:style>
-      </p:cxnSp>
       <p:grpSp>
         <p:nvGrpSpPr>
           <p:cNvPr id="20" name="그룹 19"/>
@@ -14423,8 +14514,8 @@
         </p:nvSpPr>
         <p:spPr>
           <a:xfrm>
-            <a:off x="1104378" y="1818361"/>
-            <a:ext cx="1513556" cy="584775"/>
+            <a:off x="590811" y="1818361"/>
+            <a:ext cx="3039615" cy="584775"/>
           </a:xfrm>
           <a:prstGeom prst="rect">
             <a:avLst/>
@@ -14439,47 +14530,20 @@
           <a:p>
             <a:r>
               <a:rPr lang="en-US" altLang="ko-KR" sz="3200" b="1" dirty="0" smtClean="0"/>
-              <a:t>TETRIS</a:t>
+              <a:t>TETRIS(</a:t>
+            </a:r>
+            <a:r>
+              <a:rPr lang="ko-KR" altLang="en-US" sz="3200" b="1" dirty="0" err="1" smtClean="0"/>
+              <a:t>송재완</a:t>
+            </a:r>
+            <a:r>
+              <a:rPr lang="en-US" altLang="ko-KR" sz="3200" b="1" dirty="0" smtClean="0"/>
+              <a:t>)</a:t>
             </a:r>
             <a:endParaRPr lang="ko-KR" altLang="en-US" sz="3200" b="1" dirty="0"/>
           </a:p>
         </p:txBody>
       </p:sp>
-      <p:cxnSp>
-        <p:nvCxnSpPr>
-          <p:cNvPr id="17" name="직선 연결선 16"/>
-          <p:cNvCxnSpPr/>
-          <p:nvPr/>
-        </p:nvCxnSpPr>
-        <p:spPr>
-          <a:xfrm flipV="1">
-            <a:off x="1089764" y="2379945"/>
-            <a:ext cx="1478072" cy="1"/>
-          </a:xfrm>
-          <a:prstGeom prst="line">
-            <a:avLst/>
-          </a:prstGeom>
-          <a:ln w="19050">
-            <a:solidFill>
-              <a:schemeClr val="tx1"/>
-            </a:solidFill>
-          </a:ln>
-        </p:spPr>
-        <p:style>
-          <a:lnRef idx="1">
-            <a:schemeClr val="accent1"/>
-          </a:lnRef>
-          <a:fillRef idx="0">
-            <a:schemeClr val="accent1"/>
-          </a:fillRef>
-          <a:effectRef idx="0">
-            <a:schemeClr val="accent1"/>
-          </a:effectRef>
-          <a:fontRef idx="minor">
-            <a:schemeClr val="tx1"/>
-          </a:fontRef>
-        </p:style>
-      </p:cxnSp>
       <p:pic>
         <p:nvPicPr>
           <p:cNvPr id="19" name="Picture 2"/>
